--- a/ppts/05-2 BinaryTreeQuiz9.pptx
+++ b/ppts/05-2 BinaryTreeQuiz9.pptx
@@ -212,7 +212,7 @@
           <a:p>
             <a:fld id="{648057B7-EFC7-4AC6-B479-CDD44EB7D654}" type="datetimeFigureOut">
               <a:rPr lang="ko-KR" altLang="en-US" smtClean="0"/>
-              <a:t>2021-10-20</a:t>
+              <a:t>2022-05-02</a:t>
             </a:fld>
             <a:endParaRPr lang="ko-KR" altLang="en-US"/>
           </a:p>
@@ -710,6 +710,10 @@
               <a:rPr lang="ko-KR" altLang="en-US" dirty="0"/>
               <a:t>마스터 제목 </a:t>
             </a:r>
+            <a:r>
+              <a:rPr lang="en-US" altLang="ko-KR" dirty="0"/>
+              <a:t/>
+            </a:r>
             <a:br>
               <a:rPr lang="en-US" altLang="ko-KR" dirty="0"/>
             </a:br>
@@ -923,6 +927,10 @@
             <a:r>
               <a:rPr lang="ko-KR" altLang="en-US" dirty="0"/>
               <a:t>마스터 제목 </a:t>
+            </a:r>
+            <a:r>
+              <a:rPr lang="en-US" altLang="ko-KR" dirty="0"/>
+              <a:t/>
             </a:r>
             <a:br>
               <a:rPr lang="en-US" altLang="ko-KR" dirty="0"/>
@@ -3212,11 +3220,11 @@
           <a:p>
             <a:pPr lvl="1"/>
             <a:r>
-              <a:rPr lang="en-US" altLang="ko-KR" dirty="0"/>
-              <a:t>preorder Traversal(</a:t>
+              <a:rPr lang="en-US" altLang="ko-KR" dirty="0" smtClean="0"/>
+              <a:t>preorder(</a:t>
             </a:r>
             <a:r>
-              <a:rPr lang="en-US" altLang="ko-KR" dirty="0">
+              <a:rPr lang="en-US" altLang="ko-KR" dirty="0" smtClean="0">
                 <a:solidFill>
                   <a:srgbClr val="C00000"/>
                 </a:solidFill>
@@ -3224,18 +3232,26 @@
               <a:t>V</a:t>
             </a:r>
             <a:r>
+              <a:rPr lang="en-US" altLang="ko-KR" dirty="0" smtClean="0"/>
+              <a:t>LR </a:t>
+            </a:r>
+            <a:r>
               <a:rPr lang="en-US" altLang="ko-KR" dirty="0"/>
-              <a:t>LR )</a:t>
+              <a:t>)</a:t>
             </a:r>
           </a:p>
           <a:p>
             <a:pPr lvl="1"/>
             <a:r>
-              <a:rPr lang="en-US" altLang="ko-KR" dirty="0"/>
-              <a:t>inorder traversal(L</a:t>
+              <a:rPr lang="en-US" altLang="ko-KR" dirty="0" err="1" smtClean="0"/>
+              <a:t>inorder</a:t>
             </a:r>
             <a:r>
-              <a:rPr lang="en-US" altLang="ko-KR" dirty="0">
+              <a:rPr lang="en-US" altLang="ko-KR" dirty="0" smtClean="0"/>
+              <a:t>(L</a:t>
+            </a:r>
+            <a:r>
+              <a:rPr lang="en-US" altLang="ko-KR" dirty="0" smtClean="0">
                 <a:solidFill>
                   <a:srgbClr val="C00000"/>
                 </a:solidFill>
@@ -3243,22 +3259,26 @@
               <a:t>V</a:t>
             </a:r>
             <a:r>
+              <a:rPr lang="en-US" altLang="ko-KR" dirty="0" smtClean="0"/>
+              <a:t>R </a:t>
+            </a:r>
+            <a:r>
               <a:rPr lang="en-US" altLang="ko-KR" dirty="0"/>
-              <a:t>R )   </a:t>
+              <a:t>)   </a:t>
             </a:r>
           </a:p>
           <a:p>
             <a:pPr lvl="1"/>
             <a:r>
-              <a:rPr lang="en-US" altLang="ko-KR" dirty="0" err="1"/>
+              <a:rPr lang="en-US" altLang="ko-KR" dirty="0" err="1" smtClean="0"/>
               <a:t>postorder</a:t>
             </a:r>
             <a:r>
-              <a:rPr lang="en-US" altLang="ko-KR" dirty="0"/>
-              <a:t> traversal(LR</a:t>
+              <a:rPr lang="en-US" altLang="ko-KR" dirty="0" smtClean="0"/>
+              <a:t>(LR</a:t>
             </a:r>
             <a:r>
-              <a:rPr lang="en-US" altLang="ko-KR" dirty="0">
+              <a:rPr lang="en-US" altLang="ko-KR" dirty="0" smtClean="0">
                 <a:solidFill>
                   <a:srgbClr val="C00000"/>
                 </a:solidFill>
@@ -5635,6 +5655,1278 @@
           </a:extLst>
         </p:spPr>
       </p:pic>
+      <p:sp>
+        <p:nvSpPr>
+          <p:cNvPr id="111" name="직사각형 110"/>
+          <p:cNvSpPr/>
+          <p:nvPr/>
+        </p:nvSpPr>
+        <p:spPr>
+          <a:xfrm>
+            <a:off x="5802683" y="1198060"/>
+            <a:ext cx="2737429" cy="338554"/>
+          </a:xfrm>
+          <a:prstGeom prst="rect">
+            <a:avLst/>
+          </a:prstGeom>
+          <a:ln w="3175"/>
+        </p:spPr>
+        <p:style>
+          <a:lnRef idx="2">
+            <a:schemeClr val="accent4"/>
+          </a:lnRef>
+          <a:fillRef idx="1">
+            <a:schemeClr val="lt1"/>
+          </a:fillRef>
+          <a:effectRef idx="0">
+            <a:schemeClr val="accent4"/>
+          </a:effectRef>
+          <a:fontRef idx="minor">
+            <a:schemeClr val="dk1"/>
+          </a:fontRef>
+        </p:style>
+        <p:txBody>
+          <a:bodyPr wrap="square">
+            <a:spAutoFit/>
+          </a:bodyPr>
+          <a:lstStyle>
+            <a:defPPr>
+              <a:defRPr lang="ko-KR"/>
+            </a:defPPr>
+            <a:lvl1pPr marL="0" algn="l" defTabSz="914400" rtl="0" eaLnBrk="1" latinLnBrk="1" hangingPunct="1">
+              <a:defRPr sz="1800" kern="1200">
+                <a:solidFill>
+                  <a:schemeClr val="dk1"/>
+                </a:solidFill>
+                <a:latin typeface="+mn-lt"/>
+                <a:ea typeface="+mn-ea"/>
+                <a:cs typeface="+mn-cs"/>
+              </a:defRPr>
+            </a:lvl1pPr>
+            <a:lvl2pPr marL="457200" algn="l" defTabSz="914400" rtl="0" eaLnBrk="1" latinLnBrk="1" hangingPunct="1">
+              <a:defRPr sz="1800" kern="1200">
+                <a:solidFill>
+                  <a:schemeClr val="dk1"/>
+                </a:solidFill>
+                <a:latin typeface="+mn-lt"/>
+                <a:ea typeface="+mn-ea"/>
+                <a:cs typeface="+mn-cs"/>
+              </a:defRPr>
+            </a:lvl2pPr>
+            <a:lvl3pPr marL="914400" algn="l" defTabSz="914400" rtl="0" eaLnBrk="1" latinLnBrk="1" hangingPunct="1">
+              <a:defRPr sz="1800" kern="1200">
+                <a:solidFill>
+                  <a:schemeClr val="dk1"/>
+                </a:solidFill>
+                <a:latin typeface="+mn-lt"/>
+                <a:ea typeface="+mn-ea"/>
+                <a:cs typeface="+mn-cs"/>
+              </a:defRPr>
+            </a:lvl3pPr>
+            <a:lvl4pPr marL="1371600" algn="l" defTabSz="914400" rtl="0" eaLnBrk="1" latinLnBrk="1" hangingPunct="1">
+              <a:defRPr sz="1800" kern="1200">
+                <a:solidFill>
+                  <a:schemeClr val="dk1"/>
+                </a:solidFill>
+                <a:latin typeface="+mn-lt"/>
+                <a:ea typeface="+mn-ea"/>
+                <a:cs typeface="+mn-cs"/>
+              </a:defRPr>
+            </a:lvl4pPr>
+            <a:lvl5pPr marL="1828800" algn="l" defTabSz="914400" rtl="0" eaLnBrk="1" latinLnBrk="1" hangingPunct="1">
+              <a:defRPr sz="1800" kern="1200">
+                <a:solidFill>
+                  <a:schemeClr val="dk1"/>
+                </a:solidFill>
+                <a:latin typeface="+mn-lt"/>
+                <a:ea typeface="+mn-ea"/>
+                <a:cs typeface="+mn-cs"/>
+              </a:defRPr>
+            </a:lvl5pPr>
+            <a:lvl6pPr marL="2286000" algn="l" defTabSz="914400" rtl="0" eaLnBrk="1" latinLnBrk="1" hangingPunct="1">
+              <a:defRPr sz="1800" kern="1200">
+                <a:solidFill>
+                  <a:schemeClr val="dk1"/>
+                </a:solidFill>
+                <a:latin typeface="+mn-lt"/>
+                <a:ea typeface="+mn-ea"/>
+                <a:cs typeface="+mn-cs"/>
+              </a:defRPr>
+            </a:lvl6pPr>
+            <a:lvl7pPr marL="2743200" algn="l" defTabSz="914400" rtl="0" eaLnBrk="1" latinLnBrk="1" hangingPunct="1">
+              <a:defRPr sz="1800" kern="1200">
+                <a:solidFill>
+                  <a:schemeClr val="dk1"/>
+                </a:solidFill>
+                <a:latin typeface="+mn-lt"/>
+                <a:ea typeface="+mn-ea"/>
+                <a:cs typeface="+mn-cs"/>
+              </a:defRPr>
+            </a:lvl7pPr>
+            <a:lvl8pPr marL="3200400" algn="l" defTabSz="914400" rtl="0" eaLnBrk="1" latinLnBrk="1" hangingPunct="1">
+              <a:defRPr sz="1800" kern="1200">
+                <a:solidFill>
+                  <a:schemeClr val="dk1"/>
+                </a:solidFill>
+                <a:latin typeface="+mn-lt"/>
+                <a:ea typeface="+mn-ea"/>
+                <a:cs typeface="+mn-cs"/>
+              </a:defRPr>
+            </a:lvl8pPr>
+            <a:lvl9pPr marL="3657600" algn="l" defTabSz="914400" rtl="0" eaLnBrk="1" latinLnBrk="1" hangingPunct="1">
+              <a:defRPr sz="1800" kern="1200">
+                <a:solidFill>
+                  <a:schemeClr val="dk1"/>
+                </a:solidFill>
+                <a:latin typeface="+mn-lt"/>
+                <a:ea typeface="+mn-ea"/>
+                <a:cs typeface="+mn-cs"/>
+              </a:defRPr>
+            </a:lvl9pPr>
+          </a:lstStyle>
+          <a:p>
+            <a:r>
+              <a:rPr lang="en-US" altLang="ko-KR" sz="1600" dirty="0" smtClean="0">
+                <a:latin typeface="Century Gothic" panose="020B0502020202020204" pitchFamily="34" charset="0"/>
+              </a:rPr>
+              <a:t>7 </a:t>
+            </a:r>
+            <a:endParaRPr lang="ko-KR" altLang="en-US" sz="1600" dirty="0">
+              <a:latin typeface="Century Gothic" panose="020B0502020202020204" pitchFamily="34" charset="0"/>
+            </a:endParaRPr>
+          </a:p>
+        </p:txBody>
+      </p:sp>
+      <p:sp>
+        <p:nvSpPr>
+          <p:cNvPr id="112" name="직사각형 111"/>
+          <p:cNvSpPr/>
+          <p:nvPr/>
+        </p:nvSpPr>
+        <p:spPr>
+          <a:xfrm>
+            <a:off x="5802683" y="1574625"/>
+            <a:ext cx="2748678" cy="338554"/>
+          </a:xfrm>
+          <a:prstGeom prst="rect">
+            <a:avLst/>
+          </a:prstGeom>
+          <a:ln w="3175"/>
+        </p:spPr>
+        <p:style>
+          <a:lnRef idx="2">
+            <a:schemeClr val="accent4"/>
+          </a:lnRef>
+          <a:fillRef idx="1">
+            <a:schemeClr val="lt1"/>
+          </a:fillRef>
+          <a:effectRef idx="0">
+            <a:schemeClr val="accent4"/>
+          </a:effectRef>
+          <a:fontRef idx="minor">
+            <a:schemeClr val="dk1"/>
+          </a:fontRef>
+        </p:style>
+        <p:txBody>
+          <a:bodyPr wrap="square">
+            <a:spAutoFit/>
+          </a:bodyPr>
+          <a:lstStyle>
+            <a:defPPr>
+              <a:defRPr lang="ko-KR"/>
+            </a:defPPr>
+            <a:lvl1pPr marL="0" algn="l" defTabSz="914400" rtl="0" eaLnBrk="1" latinLnBrk="1" hangingPunct="1">
+              <a:defRPr sz="1800" kern="1200">
+                <a:solidFill>
+                  <a:schemeClr val="dk1"/>
+                </a:solidFill>
+                <a:latin typeface="+mn-lt"/>
+                <a:ea typeface="+mn-ea"/>
+                <a:cs typeface="+mn-cs"/>
+              </a:defRPr>
+            </a:lvl1pPr>
+            <a:lvl2pPr marL="457200" algn="l" defTabSz="914400" rtl="0" eaLnBrk="1" latinLnBrk="1" hangingPunct="1">
+              <a:defRPr sz="1800" kern="1200">
+                <a:solidFill>
+                  <a:schemeClr val="dk1"/>
+                </a:solidFill>
+                <a:latin typeface="+mn-lt"/>
+                <a:ea typeface="+mn-ea"/>
+                <a:cs typeface="+mn-cs"/>
+              </a:defRPr>
+            </a:lvl2pPr>
+            <a:lvl3pPr marL="914400" algn="l" defTabSz="914400" rtl="0" eaLnBrk="1" latinLnBrk="1" hangingPunct="1">
+              <a:defRPr sz="1800" kern="1200">
+                <a:solidFill>
+                  <a:schemeClr val="dk1"/>
+                </a:solidFill>
+                <a:latin typeface="+mn-lt"/>
+                <a:ea typeface="+mn-ea"/>
+                <a:cs typeface="+mn-cs"/>
+              </a:defRPr>
+            </a:lvl3pPr>
+            <a:lvl4pPr marL="1371600" algn="l" defTabSz="914400" rtl="0" eaLnBrk="1" latinLnBrk="1" hangingPunct="1">
+              <a:defRPr sz="1800" kern="1200">
+                <a:solidFill>
+                  <a:schemeClr val="dk1"/>
+                </a:solidFill>
+                <a:latin typeface="+mn-lt"/>
+                <a:ea typeface="+mn-ea"/>
+                <a:cs typeface="+mn-cs"/>
+              </a:defRPr>
+            </a:lvl4pPr>
+            <a:lvl5pPr marL="1828800" algn="l" defTabSz="914400" rtl="0" eaLnBrk="1" latinLnBrk="1" hangingPunct="1">
+              <a:defRPr sz="1800" kern="1200">
+                <a:solidFill>
+                  <a:schemeClr val="dk1"/>
+                </a:solidFill>
+                <a:latin typeface="+mn-lt"/>
+                <a:ea typeface="+mn-ea"/>
+                <a:cs typeface="+mn-cs"/>
+              </a:defRPr>
+            </a:lvl5pPr>
+            <a:lvl6pPr marL="2286000" algn="l" defTabSz="914400" rtl="0" eaLnBrk="1" latinLnBrk="1" hangingPunct="1">
+              <a:defRPr sz="1800" kern="1200">
+                <a:solidFill>
+                  <a:schemeClr val="dk1"/>
+                </a:solidFill>
+                <a:latin typeface="+mn-lt"/>
+                <a:ea typeface="+mn-ea"/>
+                <a:cs typeface="+mn-cs"/>
+              </a:defRPr>
+            </a:lvl6pPr>
+            <a:lvl7pPr marL="2743200" algn="l" defTabSz="914400" rtl="0" eaLnBrk="1" latinLnBrk="1" hangingPunct="1">
+              <a:defRPr sz="1800" kern="1200">
+                <a:solidFill>
+                  <a:schemeClr val="dk1"/>
+                </a:solidFill>
+                <a:latin typeface="+mn-lt"/>
+                <a:ea typeface="+mn-ea"/>
+                <a:cs typeface="+mn-cs"/>
+              </a:defRPr>
+            </a:lvl7pPr>
+            <a:lvl8pPr marL="3200400" algn="l" defTabSz="914400" rtl="0" eaLnBrk="1" latinLnBrk="1" hangingPunct="1">
+              <a:defRPr sz="1800" kern="1200">
+                <a:solidFill>
+                  <a:schemeClr val="dk1"/>
+                </a:solidFill>
+                <a:latin typeface="+mn-lt"/>
+                <a:ea typeface="+mn-ea"/>
+                <a:cs typeface="+mn-cs"/>
+              </a:defRPr>
+            </a:lvl8pPr>
+            <a:lvl9pPr marL="3657600" algn="l" defTabSz="914400" rtl="0" eaLnBrk="1" latinLnBrk="1" hangingPunct="1">
+              <a:defRPr sz="1800" kern="1200">
+                <a:solidFill>
+                  <a:schemeClr val="dk1"/>
+                </a:solidFill>
+                <a:latin typeface="+mn-lt"/>
+                <a:ea typeface="+mn-ea"/>
+                <a:cs typeface="+mn-cs"/>
+              </a:defRPr>
+            </a:lvl9pPr>
+          </a:lstStyle>
+          <a:p>
+            <a:r>
+              <a:rPr lang="en-US" altLang="ko-KR" sz="1600" dirty="0" smtClean="0">
+                <a:latin typeface="Century Gothic" panose="020B0502020202020204" pitchFamily="34" charset="0"/>
+              </a:rPr>
+              <a:t>0 </a:t>
+            </a:r>
+            <a:endParaRPr lang="ko-KR" altLang="en-US" sz="1600" dirty="0">
+              <a:latin typeface="Century Gothic" panose="020B0502020202020204" pitchFamily="34" charset="0"/>
+            </a:endParaRPr>
+          </a:p>
+        </p:txBody>
+      </p:sp>
+      <p:sp>
+        <p:nvSpPr>
+          <p:cNvPr id="113" name="직사각형 112"/>
+          <p:cNvSpPr/>
+          <p:nvPr/>
+        </p:nvSpPr>
+        <p:spPr>
+          <a:xfrm>
+            <a:off x="5802684" y="1939663"/>
+            <a:ext cx="2748677" cy="338554"/>
+          </a:xfrm>
+          <a:prstGeom prst="rect">
+            <a:avLst/>
+          </a:prstGeom>
+          <a:ln w="3175"/>
+        </p:spPr>
+        <p:style>
+          <a:lnRef idx="2">
+            <a:schemeClr val="accent4"/>
+          </a:lnRef>
+          <a:fillRef idx="1">
+            <a:schemeClr val="lt1"/>
+          </a:fillRef>
+          <a:effectRef idx="0">
+            <a:schemeClr val="accent4"/>
+          </a:effectRef>
+          <a:fontRef idx="minor">
+            <a:schemeClr val="dk1"/>
+          </a:fontRef>
+        </p:style>
+        <p:txBody>
+          <a:bodyPr wrap="square">
+            <a:spAutoFit/>
+          </a:bodyPr>
+          <a:lstStyle>
+            <a:defPPr>
+              <a:defRPr lang="ko-KR"/>
+            </a:defPPr>
+            <a:lvl1pPr marL="0" algn="l" defTabSz="914400" rtl="0" eaLnBrk="1" latinLnBrk="1" hangingPunct="1">
+              <a:defRPr sz="1800" kern="1200">
+                <a:solidFill>
+                  <a:schemeClr val="dk1"/>
+                </a:solidFill>
+                <a:latin typeface="+mn-lt"/>
+                <a:ea typeface="+mn-ea"/>
+                <a:cs typeface="+mn-cs"/>
+              </a:defRPr>
+            </a:lvl1pPr>
+            <a:lvl2pPr marL="457200" algn="l" defTabSz="914400" rtl="0" eaLnBrk="1" latinLnBrk="1" hangingPunct="1">
+              <a:defRPr sz="1800" kern="1200">
+                <a:solidFill>
+                  <a:schemeClr val="dk1"/>
+                </a:solidFill>
+                <a:latin typeface="+mn-lt"/>
+                <a:ea typeface="+mn-ea"/>
+                <a:cs typeface="+mn-cs"/>
+              </a:defRPr>
+            </a:lvl2pPr>
+            <a:lvl3pPr marL="914400" algn="l" defTabSz="914400" rtl="0" eaLnBrk="1" latinLnBrk="1" hangingPunct="1">
+              <a:defRPr sz="1800" kern="1200">
+                <a:solidFill>
+                  <a:schemeClr val="dk1"/>
+                </a:solidFill>
+                <a:latin typeface="+mn-lt"/>
+                <a:ea typeface="+mn-ea"/>
+                <a:cs typeface="+mn-cs"/>
+              </a:defRPr>
+            </a:lvl3pPr>
+            <a:lvl4pPr marL="1371600" algn="l" defTabSz="914400" rtl="0" eaLnBrk="1" latinLnBrk="1" hangingPunct="1">
+              <a:defRPr sz="1800" kern="1200">
+                <a:solidFill>
+                  <a:schemeClr val="dk1"/>
+                </a:solidFill>
+                <a:latin typeface="+mn-lt"/>
+                <a:ea typeface="+mn-ea"/>
+                <a:cs typeface="+mn-cs"/>
+              </a:defRPr>
+            </a:lvl4pPr>
+            <a:lvl5pPr marL="1828800" algn="l" defTabSz="914400" rtl="0" eaLnBrk="1" latinLnBrk="1" hangingPunct="1">
+              <a:defRPr sz="1800" kern="1200">
+                <a:solidFill>
+                  <a:schemeClr val="dk1"/>
+                </a:solidFill>
+                <a:latin typeface="+mn-lt"/>
+                <a:ea typeface="+mn-ea"/>
+                <a:cs typeface="+mn-cs"/>
+              </a:defRPr>
+            </a:lvl5pPr>
+            <a:lvl6pPr marL="2286000" algn="l" defTabSz="914400" rtl="0" eaLnBrk="1" latinLnBrk="1" hangingPunct="1">
+              <a:defRPr sz="1800" kern="1200">
+                <a:solidFill>
+                  <a:schemeClr val="dk1"/>
+                </a:solidFill>
+                <a:latin typeface="+mn-lt"/>
+                <a:ea typeface="+mn-ea"/>
+                <a:cs typeface="+mn-cs"/>
+              </a:defRPr>
+            </a:lvl6pPr>
+            <a:lvl7pPr marL="2743200" algn="l" defTabSz="914400" rtl="0" eaLnBrk="1" latinLnBrk="1" hangingPunct="1">
+              <a:defRPr sz="1800" kern="1200">
+                <a:solidFill>
+                  <a:schemeClr val="dk1"/>
+                </a:solidFill>
+                <a:latin typeface="+mn-lt"/>
+                <a:ea typeface="+mn-ea"/>
+                <a:cs typeface="+mn-cs"/>
+              </a:defRPr>
+            </a:lvl7pPr>
+            <a:lvl8pPr marL="3200400" algn="l" defTabSz="914400" rtl="0" eaLnBrk="1" latinLnBrk="1" hangingPunct="1">
+              <a:defRPr sz="1800" kern="1200">
+                <a:solidFill>
+                  <a:schemeClr val="dk1"/>
+                </a:solidFill>
+                <a:latin typeface="+mn-lt"/>
+                <a:ea typeface="+mn-ea"/>
+                <a:cs typeface="+mn-cs"/>
+              </a:defRPr>
+            </a:lvl8pPr>
+            <a:lvl9pPr marL="3657600" algn="l" defTabSz="914400" rtl="0" eaLnBrk="1" latinLnBrk="1" hangingPunct="1">
+              <a:defRPr sz="1800" kern="1200">
+                <a:solidFill>
+                  <a:schemeClr val="dk1"/>
+                </a:solidFill>
+                <a:latin typeface="+mn-lt"/>
+                <a:ea typeface="+mn-ea"/>
+                <a:cs typeface="+mn-cs"/>
+              </a:defRPr>
+            </a:lvl9pPr>
+          </a:lstStyle>
+          <a:p>
+            <a:r>
+              <a:rPr lang="en-US" altLang="ko-KR" sz="1600" dirty="0" smtClean="0">
+                <a:latin typeface="Century Gothic" panose="020B0502020202020204" pitchFamily="34" charset="0"/>
+              </a:rPr>
+              <a:t>0</a:t>
+            </a:r>
+            <a:endParaRPr lang="ko-KR" altLang="en-US" sz="1600" dirty="0">
+              <a:latin typeface="Century Gothic" panose="020B0502020202020204" pitchFamily="34" charset="0"/>
+            </a:endParaRPr>
+          </a:p>
+        </p:txBody>
+      </p:sp>
+      <p:sp>
+        <p:nvSpPr>
+          <p:cNvPr id="114" name="직사각형 113"/>
+          <p:cNvSpPr/>
+          <p:nvPr/>
+        </p:nvSpPr>
+        <p:spPr>
+          <a:xfrm>
+            <a:off x="8683003" y="1201832"/>
+            <a:ext cx="3018372" cy="338554"/>
+          </a:xfrm>
+          <a:prstGeom prst="rect">
+            <a:avLst/>
+          </a:prstGeom>
+          <a:ln w="3175"/>
+        </p:spPr>
+        <p:style>
+          <a:lnRef idx="2">
+            <a:schemeClr val="accent4"/>
+          </a:lnRef>
+          <a:fillRef idx="1">
+            <a:schemeClr val="lt1"/>
+          </a:fillRef>
+          <a:effectRef idx="0">
+            <a:schemeClr val="accent4"/>
+          </a:effectRef>
+          <a:fontRef idx="minor">
+            <a:schemeClr val="dk1"/>
+          </a:fontRef>
+        </p:style>
+        <p:txBody>
+          <a:bodyPr wrap="square">
+            <a:spAutoFit/>
+          </a:bodyPr>
+          <a:lstStyle>
+            <a:defPPr>
+              <a:defRPr lang="ko-KR"/>
+            </a:defPPr>
+            <a:lvl1pPr marL="0" algn="l" defTabSz="914400" rtl="0" eaLnBrk="1" latinLnBrk="1" hangingPunct="1">
+              <a:defRPr sz="1800" kern="1200">
+                <a:solidFill>
+                  <a:schemeClr val="dk1"/>
+                </a:solidFill>
+                <a:latin typeface="+mn-lt"/>
+                <a:ea typeface="+mn-ea"/>
+                <a:cs typeface="+mn-cs"/>
+              </a:defRPr>
+            </a:lvl1pPr>
+            <a:lvl2pPr marL="457200" algn="l" defTabSz="914400" rtl="0" eaLnBrk="1" latinLnBrk="1" hangingPunct="1">
+              <a:defRPr sz="1800" kern="1200">
+                <a:solidFill>
+                  <a:schemeClr val="dk1"/>
+                </a:solidFill>
+                <a:latin typeface="+mn-lt"/>
+                <a:ea typeface="+mn-ea"/>
+                <a:cs typeface="+mn-cs"/>
+              </a:defRPr>
+            </a:lvl2pPr>
+            <a:lvl3pPr marL="914400" algn="l" defTabSz="914400" rtl="0" eaLnBrk="1" latinLnBrk="1" hangingPunct="1">
+              <a:defRPr sz="1800" kern="1200">
+                <a:solidFill>
+                  <a:schemeClr val="dk1"/>
+                </a:solidFill>
+                <a:latin typeface="+mn-lt"/>
+                <a:ea typeface="+mn-ea"/>
+                <a:cs typeface="+mn-cs"/>
+              </a:defRPr>
+            </a:lvl3pPr>
+            <a:lvl4pPr marL="1371600" algn="l" defTabSz="914400" rtl="0" eaLnBrk="1" latinLnBrk="1" hangingPunct="1">
+              <a:defRPr sz="1800" kern="1200">
+                <a:solidFill>
+                  <a:schemeClr val="dk1"/>
+                </a:solidFill>
+                <a:latin typeface="+mn-lt"/>
+                <a:ea typeface="+mn-ea"/>
+                <a:cs typeface="+mn-cs"/>
+              </a:defRPr>
+            </a:lvl4pPr>
+            <a:lvl5pPr marL="1828800" algn="l" defTabSz="914400" rtl="0" eaLnBrk="1" latinLnBrk="1" hangingPunct="1">
+              <a:defRPr sz="1800" kern="1200">
+                <a:solidFill>
+                  <a:schemeClr val="dk1"/>
+                </a:solidFill>
+                <a:latin typeface="+mn-lt"/>
+                <a:ea typeface="+mn-ea"/>
+                <a:cs typeface="+mn-cs"/>
+              </a:defRPr>
+            </a:lvl5pPr>
+            <a:lvl6pPr marL="2286000" algn="l" defTabSz="914400" rtl="0" eaLnBrk="1" latinLnBrk="1" hangingPunct="1">
+              <a:defRPr sz="1800" kern="1200">
+                <a:solidFill>
+                  <a:schemeClr val="dk1"/>
+                </a:solidFill>
+                <a:latin typeface="+mn-lt"/>
+                <a:ea typeface="+mn-ea"/>
+                <a:cs typeface="+mn-cs"/>
+              </a:defRPr>
+            </a:lvl6pPr>
+            <a:lvl7pPr marL="2743200" algn="l" defTabSz="914400" rtl="0" eaLnBrk="1" latinLnBrk="1" hangingPunct="1">
+              <a:defRPr sz="1800" kern="1200">
+                <a:solidFill>
+                  <a:schemeClr val="dk1"/>
+                </a:solidFill>
+                <a:latin typeface="+mn-lt"/>
+                <a:ea typeface="+mn-ea"/>
+                <a:cs typeface="+mn-cs"/>
+              </a:defRPr>
+            </a:lvl7pPr>
+            <a:lvl8pPr marL="3200400" algn="l" defTabSz="914400" rtl="0" eaLnBrk="1" latinLnBrk="1" hangingPunct="1">
+              <a:defRPr sz="1800" kern="1200">
+                <a:solidFill>
+                  <a:schemeClr val="dk1"/>
+                </a:solidFill>
+                <a:latin typeface="+mn-lt"/>
+                <a:ea typeface="+mn-ea"/>
+                <a:cs typeface="+mn-cs"/>
+              </a:defRPr>
+            </a:lvl8pPr>
+            <a:lvl9pPr marL="3657600" algn="l" defTabSz="914400" rtl="0" eaLnBrk="1" latinLnBrk="1" hangingPunct="1">
+              <a:defRPr sz="1800" kern="1200">
+                <a:solidFill>
+                  <a:schemeClr val="dk1"/>
+                </a:solidFill>
+                <a:latin typeface="+mn-lt"/>
+                <a:ea typeface="+mn-ea"/>
+                <a:cs typeface="+mn-cs"/>
+              </a:defRPr>
+            </a:lvl9pPr>
+          </a:lstStyle>
+          <a:p>
+            <a:r>
+              <a:rPr lang="en-US" altLang="ko-KR" sz="1600" dirty="0" smtClean="0">
+                <a:latin typeface="Century Gothic" panose="020B0502020202020204" pitchFamily="34" charset="0"/>
+              </a:rPr>
+              <a:t>25</a:t>
+            </a:r>
+            <a:endParaRPr lang="ko-KR" altLang="en-US" sz="1600" dirty="0">
+              <a:latin typeface="Century Gothic" panose="020B0502020202020204" pitchFamily="34" charset="0"/>
+            </a:endParaRPr>
+          </a:p>
+        </p:txBody>
+      </p:sp>
+      <p:sp>
+        <p:nvSpPr>
+          <p:cNvPr id="115" name="직사각형 114"/>
+          <p:cNvSpPr/>
+          <p:nvPr/>
+        </p:nvSpPr>
+        <p:spPr>
+          <a:xfrm>
+            <a:off x="8694252" y="1578397"/>
+            <a:ext cx="3018372" cy="338554"/>
+          </a:xfrm>
+          <a:prstGeom prst="rect">
+            <a:avLst/>
+          </a:prstGeom>
+          <a:ln w="3175"/>
+        </p:spPr>
+        <p:style>
+          <a:lnRef idx="2">
+            <a:schemeClr val="accent4"/>
+          </a:lnRef>
+          <a:fillRef idx="1">
+            <a:schemeClr val="lt1"/>
+          </a:fillRef>
+          <a:effectRef idx="0">
+            <a:schemeClr val="accent4"/>
+          </a:effectRef>
+          <a:fontRef idx="minor">
+            <a:schemeClr val="dk1"/>
+          </a:fontRef>
+        </p:style>
+        <p:txBody>
+          <a:bodyPr wrap="square">
+            <a:spAutoFit/>
+          </a:bodyPr>
+          <a:lstStyle>
+            <a:defPPr>
+              <a:defRPr lang="ko-KR"/>
+            </a:defPPr>
+            <a:lvl1pPr marL="0" algn="l" defTabSz="914400" rtl="0" eaLnBrk="1" latinLnBrk="1" hangingPunct="1">
+              <a:defRPr sz="1800" kern="1200">
+                <a:solidFill>
+                  <a:schemeClr val="dk1"/>
+                </a:solidFill>
+                <a:latin typeface="+mn-lt"/>
+                <a:ea typeface="+mn-ea"/>
+                <a:cs typeface="+mn-cs"/>
+              </a:defRPr>
+            </a:lvl1pPr>
+            <a:lvl2pPr marL="457200" algn="l" defTabSz="914400" rtl="0" eaLnBrk="1" latinLnBrk="1" hangingPunct="1">
+              <a:defRPr sz="1800" kern="1200">
+                <a:solidFill>
+                  <a:schemeClr val="dk1"/>
+                </a:solidFill>
+                <a:latin typeface="+mn-lt"/>
+                <a:ea typeface="+mn-ea"/>
+                <a:cs typeface="+mn-cs"/>
+              </a:defRPr>
+            </a:lvl2pPr>
+            <a:lvl3pPr marL="914400" algn="l" defTabSz="914400" rtl="0" eaLnBrk="1" latinLnBrk="1" hangingPunct="1">
+              <a:defRPr sz="1800" kern="1200">
+                <a:solidFill>
+                  <a:schemeClr val="dk1"/>
+                </a:solidFill>
+                <a:latin typeface="+mn-lt"/>
+                <a:ea typeface="+mn-ea"/>
+                <a:cs typeface="+mn-cs"/>
+              </a:defRPr>
+            </a:lvl3pPr>
+            <a:lvl4pPr marL="1371600" algn="l" defTabSz="914400" rtl="0" eaLnBrk="1" latinLnBrk="1" hangingPunct="1">
+              <a:defRPr sz="1800" kern="1200">
+                <a:solidFill>
+                  <a:schemeClr val="dk1"/>
+                </a:solidFill>
+                <a:latin typeface="+mn-lt"/>
+                <a:ea typeface="+mn-ea"/>
+                <a:cs typeface="+mn-cs"/>
+              </a:defRPr>
+            </a:lvl4pPr>
+            <a:lvl5pPr marL="1828800" algn="l" defTabSz="914400" rtl="0" eaLnBrk="1" latinLnBrk="1" hangingPunct="1">
+              <a:defRPr sz="1800" kern="1200">
+                <a:solidFill>
+                  <a:schemeClr val="dk1"/>
+                </a:solidFill>
+                <a:latin typeface="+mn-lt"/>
+                <a:ea typeface="+mn-ea"/>
+                <a:cs typeface="+mn-cs"/>
+              </a:defRPr>
+            </a:lvl5pPr>
+            <a:lvl6pPr marL="2286000" algn="l" defTabSz="914400" rtl="0" eaLnBrk="1" latinLnBrk="1" hangingPunct="1">
+              <a:defRPr sz="1800" kern="1200">
+                <a:solidFill>
+                  <a:schemeClr val="dk1"/>
+                </a:solidFill>
+                <a:latin typeface="+mn-lt"/>
+                <a:ea typeface="+mn-ea"/>
+                <a:cs typeface="+mn-cs"/>
+              </a:defRPr>
+            </a:lvl6pPr>
+            <a:lvl7pPr marL="2743200" algn="l" defTabSz="914400" rtl="0" eaLnBrk="1" latinLnBrk="1" hangingPunct="1">
+              <a:defRPr sz="1800" kern="1200">
+                <a:solidFill>
+                  <a:schemeClr val="dk1"/>
+                </a:solidFill>
+                <a:latin typeface="+mn-lt"/>
+                <a:ea typeface="+mn-ea"/>
+                <a:cs typeface="+mn-cs"/>
+              </a:defRPr>
+            </a:lvl7pPr>
+            <a:lvl8pPr marL="3200400" algn="l" defTabSz="914400" rtl="0" eaLnBrk="1" latinLnBrk="1" hangingPunct="1">
+              <a:defRPr sz="1800" kern="1200">
+                <a:solidFill>
+                  <a:schemeClr val="dk1"/>
+                </a:solidFill>
+                <a:latin typeface="+mn-lt"/>
+                <a:ea typeface="+mn-ea"/>
+                <a:cs typeface="+mn-cs"/>
+              </a:defRPr>
+            </a:lvl8pPr>
+            <a:lvl9pPr marL="3657600" algn="l" defTabSz="914400" rtl="0" eaLnBrk="1" latinLnBrk="1" hangingPunct="1">
+              <a:defRPr sz="1800" kern="1200">
+                <a:solidFill>
+                  <a:schemeClr val="dk1"/>
+                </a:solidFill>
+                <a:latin typeface="+mn-lt"/>
+                <a:ea typeface="+mn-ea"/>
+                <a:cs typeface="+mn-cs"/>
+              </a:defRPr>
+            </a:lvl9pPr>
+          </a:lstStyle>
+          <a:p>
+            <a:r>
+              <a:rPr lang="en-US" altLang="ko-KR" sz="1600" dirty="0" smtClean="0">
+                <a:latin typeface="Century Gothic" panose="020B0502020202020204" pitchFamily="34" charset="0"/>
+              </a:rPr>
+              <a:t>7 </a:t>
+            </a:r>
+            <a:endParaRPr lang="ko-KR" altLang="en-US" sz="1600" dirty="0">
+              <a:latin typeface="Century Gothic" panose="020B0502020202020204" pitchFamily="34" charset="0"/>
+            </a:endParaRPr>
+          </a:p>
+        </p:txBody>
+      </p:sp>
+      <p:sp>
+        <p:nvSpPr>
+          <p:cNvPr id="116" name="직사각형 115"/>
+          <p:cNvSpPr/>
+          <p:nvPr/>
+        </p:nvSpPr>
+        <p:spPr>
+          <a:xfrm>
+            <a:off x="8694252" y="1943434"/>
+            <a:ext cx="3018372" cy="338554"/>
+          </a:xfrm>
+          <a:prstGeom prst="rect">
+            <a:avLst/>
+          </a:prstGeom>
+          <a:ln w="3175"/>
+        </p:spPr>
+        <p:style>
+          <a:lnRef idx="2">
+            <a:schemeClr val="accent4"/>
+          </a:lnRef>
+          <a:fillRef idx="1">
+            <a:schemeClr val="lt1"/>
+          </a:fillRef>
+          <a:effectRef idx="0">
+            <a:schemeClr val="accent4"/>
+          </a:effectRef>
+          <a:fontRef idx="minor">
+            <a:schemeClr val="dk1"/>
+          </a:fontRef>
+        </p:style>
+        <p:txBody>
+          <a:bodyPr wrap="square">
+            <a:spAutoFit/>
+          </a:bodyPr>
+          <a:lstStyle>
+            <a:defPPr>
+              <a:defRPr lang="ko-KR"/>
+            </a:defPPr>
+            <a:lvl1pPr marL="0" algn="l" defTabSz="914400" rtl="0" eaLnBrk="1" latinLnBrk="1" hangingPunct="1">
+              <a:defRPr sz="1800" kern="1200">
+                <a:solidFill>
+                  <a:schemeClr val="dk1"/>
+                </a:solidFill>
+                <a:latin typeface="+mn-lt"/>
+                <a:ea typeface="+mn-ea"/>
+                <a:cs typeface="+mn-cs"/>
+              </a:defRPr>
+            </a:lvl1pPr>
+            <a:lvl2pPr marL="457200" algn="l" defTabSz="914400" rtl="0" eaLnBrk="1" latinLnBrk="1" hangingPunct="1">
+              <a:defRPr sz="1800" kern="1200">
+                <a:solidFill>
+                  <a:schemeClr val="dk1"/>
+                </a:solidFill>
+                <a:latin typeface="+mn-lt"/>
+                <a:ea typeface="+mn-ea"/>
+                <a:cs typeface="+mn-cs"/>
+              </a:defRPr>
+            </a:lvl2pPr>
+            <a:lvl3pPr marL="914400" algn="l" defTabSz="914400" rtl="0" eaLnBrk="1" latinLnBrk="1" hangingPunct="1">
+              <a:defRPr sz="1800" kern="1200">
+                <a:solidFill>
+                  <a:schemeClr val="dk1"/>
+                </a:solidFill>
+                <a:latin typeface="+mn-lt"/>
+                <a:ea typeface="+mn-ea"/>
+                <a:cs typeface="+mn-cs"/>
+              </a:defRPr>
+            </a:lvl3pPr>
+            <a:lvl4pPr marL="1371600" algn="l" defTabSz="914400" rtl="0" eaLnBrk="1" latinLnBrk="1" hangingPunct="1">
+              <a:defRPr sz="1800" kern="1200">
+                <a:solidFill>
+                  <a:schemeClr val="dk1"/>
+                </a:solidFill>
+                <a:latin typeface="+mn-lt"/>
+                <a:ea typeface="+mn-ea"/>
+                <a:cs typeface="+mn-cs"/>
+              </a:defRPr>
+            </a:lvl4pPr>
+            <a:lvl5pPr marL="1828800" algn="l" defTabSz="914400" rtl="0" eaLnBrk="1" latinLnBrk="1" hangingPunct="1">
+              <a:defRPr sz="1800" kern="1200">
+                <a:solidFill>
+                  <a:schemeClr val="dk1"/>
+                </a:solidFill>
+                <a:latin typeface="+mn-lt"/>
+                <a:ea typeface="+mn-ea"/>
+                <a:cs typeface="+mn-cs"/>
+              </a:defRPr>
+            </a:lvl5pPr>
+            <a:lvl6pPr marL="2286000" algn="l" defTabSz="914400" rtl="0" eaLnBrk="1" latinLnBrk="1" hangingPunct="1">
+              <a:defRPr sz="1800" kern="1200">
+                <a:solidFill>
+                  <a:schemeClr val="dk1"/>
+                </a:solidFill>
+                <a:latin typeface="+mn-lt"/>
+                <a:ea typeface="+mn-ea"/>
+                <a:cs typeface="+mn-cs"/>
+              </a:defRPr>
+            </a:lvl6pPr>
+            <a:lvl7pPr marL="2743200" algn="l" defTabSz="914400" rtl="0" eaLnBrk="1" latinLnBrk="1" hangingPunct="1">
+              <a:defRPr sz="1800" kern="1200">
+                <a:solidFill>
+                  <a:schemeClr val="dk1"/>
+                </a:solidFill>
+                <a:latin typeface="+mn-lt"/>
+                <a:ea typeface="+mn-ea"/>
+                <a:cs typeface="+mn-cs"/>
+              </a:defRPr>
+            </a:lvl7pPr>
+            <a:lvl8pPr marL="3200400" algn="l" defTabSz="914400" rtl="0" eaLnBrk="1" latinLnBrk="1" hangingPunct="1">
+              <a:defRPr sz="1800" kern="1200">
+                <a:solidFill>
+                  <a:schemeClr val="dk1"/>
+                </a:solidFill>
+                <a:latin typeface="+mn-lt"/>
+                <a:ea typeface="+mn-ea"/>
+                <a:cs typeface="+mn-cs"/>
+              </a:defRPr>
+            </a:lvl8pPr>
+            <a:lvl9pPr marL="3657600" algn="l" defTabSz="914400" rtl="0" eaLnBrk="1" latinLnBrk="1" hangingPunct="1">
+              <a:defRPr sz="1800" kern="1200">
+                <a:solidFill>
+                  <a:schemeClr val="dk1"/>
+                </a:solidFill>
+                <a:latin typeface="+mn-lt"/>
+                <a:ea typeface="+mn-ea"/>
+                <a:cs typeface="+mn-cs"/>
+              </a:defRPr>
+            </a:lvl9pPr>
+          </a:lstStyle>
+          <a:p>
+            <a:r>
+              <a:rPr lang="en-US" altLang="ko-KR" sz="1600" dirty="0" smtClean="0">
+                <a:latin typeface="Century Gothic" panose="020B0502020202020204" pitchFamily="34" charset="0"/>
+              </a:rPr>
+              <a:t>7</a:t>
+            </a:r>
+            <a:endParaRPr lang="ko-KR" altLang="en-US" sz="1600" dirty="0">
+              <a:latin typeface="Century Gothic" panose="020B0502020202020204" pitchFamily="34" charset="0"/>
+            </a:endParaRPr>
+          </a:p>
+        </p:txBody>
+      </p:sp>
+      <p:sp>
+        <p:nvSpPr>
+          <p:cNvPr id="117" name="직사각형 116"/>
+          <p:cNvSpPr/>
+          <p:nvPr/>
+        </p:nvSpPr>
+        <p:spPr>
+          <a:xfrm>
+            <a:off x="3045490" y="1196752"/>
+            <a:ext cx="2607674" cy="339861"/>
+          </a:xfrm>
+          <a:prstGeom prst="rect">
+            <a:avLst/>
+          </a:prstGeom>
+          <a:ln w="3175"/>
+        </p:spPr>
+        <p:style>
+          <a:lnRef idx="2">
+            <a:schemeClr val="accent4"/>
+          </a:lnRef>
+          <a:fillRef idx="1">
+            <a:schemeClr val="lt1"/>
+          </a:fillRef>
+          <a:effectRef idx="0">
+            <a:schemeClr val="accent4"/>
+          </a:effectRef>
+          <a:fontRef idx="minor">
+            <a:schemeClr val="dk1"/>
+          </a:fontRef>
+        </p:style>
+        <p:txBody>
+          <a:bodyPr wrap="square">
+            <a:spAutoFit/>
+          </a:bodyPr>
+          <a:lstStyle>
+            <a:defPPr>
+              <a:defRPr lang="ko-KR"/>
+            </a:defPPr>
+            <a:lvl1pPr marL="0" algn="l" defTabSz="914400" rtl="0" eaLnBrk="1" latinLnBrk="1" hangingPunct="1">
+              <a:defRPr sz="1800" kern="1200">
+                <a:solidFill>
+                  <a:schemeClr val="dk1"/>
+                </a:solidFill>
+                <a:latin typeface="+mn-lt"/>
+                <a:ea typeface="+mn-ea"/>
+                <a:cs typeface="+mn-cs"/>
+              </a:defRPr>
+            </a:lvl1pPr>
+            <a:lvl2pPr marL="457200" algn="l" defTabSz="914400" rtl="0" eaLnBrk="1" latinLnBrk="1" hangingPunct="1">
+              <a:defRPr sz="1800" kern="1200">
+                <a:solidFill>
+                  <a:schemeClr val="dk1"/>
+                </a:solidFill>
+                <a:latin typeface="+mn-lt"/>
+                <a:ea typeface="+mn-ea"/>
+                <a:cs typeface="+mn-cs"/>
+              </a:defRPr>
+            </a:lvl2pPr>
+            <a:lvl3pPr marL="914400" algn="l" defTabSz="914400" rtl="0" eaLnBrk="1" latinLnBrk="1" hangingPunct="1">
+              <a:defRPr sz="1800" kern="1200">
+                <a:solidFill>
+                  <a:schemeClr val="dk1"/>
+                </a:solidFill>
+                <a:latin typeface="+mn-lt"/>
+                <a:ea typeface="+mn-ea"/>
+                <a:cs typeface="+mn-cs"/>
+              </a:defRPr>
+            </a:lvl3pPr>
+            <a:lvl4pPr marL="1371600" algn="l" defTabSz="914400" rtl="0" eaLnBrk="1" latinLnBrk="1" hangingPunct="1">
+              <a:defRPr sz="1800" kern="1200">
+                <a:solidFill>
+                  <a:schemeClr val="dk1"/>
+                </a:solidFill>
+                <a:latin typeface="+mn-lt"/>
+                <a:ea typeface="+mn-ea"/>
+                <a:cs typeface="+mn-cs"/>
+              </a:defRPr>
+            </a:lvl4pPr>
+            <a:lvl5pPr marL="1828800" algn="l" defTabSz="914400" rtl="0" eaLnBrk="1" latinLnBrk="1" hangingPunct="1">
+              <a:defRPr sz="1800" kern="1200">
+                <a:solidFill>
+                  <a:schemeClr val="dk1"/>
+                </a:solidFill>
+                <a:latin typeface="+mn-lt"/>
+                <a:ea typeface="+mn-ea"/>
+                <a:cs typeface="+mn-cs"/>
+              </a:defRPr>
+            </a:lvl5pPr>
+            <a:lvl6pPr marL="2286000" algn="l" defTabSz="914400" rtl="0" eaLnBrk="1" latinLnBrk="1" hangingPunct="1">
+              <a:defRPr sz="1800" kern="1200">
+                <a:solidFill>
+                  <a:schemeClr val="dk1"/>
+                </a:solidFill>
+                <a:latin typeface="+mn-lt"/>
+                <a:ea typeface="+mn-ea"/>
+                <a:cs typeface="+mn-cs"/>
+              </a:defRPr>
+            </a:lvl6pPr>
+            <a:lvl7pPr marL="2743200" algn="l" defTabSz="914400" rtl="0" eaLnBrk="1" latinLnBrk="1" hangingPunct="1">
+              <a:defRPr sz="1800" kern="1200">
+                <a:solidFill>
+                  <a:schemeClr val="dk1"/>
+                </a:solidFill>
+                <a:latin typeface="+mn-lt"/>
+                <a:ea typeface="+mn-ea"/>
+                <a:cs typeface="+mn-cs"/>
+              </a:defRPr>
+            </a:lvl7pPr>
+            <a:lvl8pPr marL="3200400" algn="l" defTabSz="914400" rtl="0" eaLnBrk="1" latinLnBrk="1" hangingPunct="1">
+              <a:defRPr sz="1800" kern="1200">
+                <a:solidFill>
+                  <a:schemeClr val="dk1"/>
+                </a:solidFill>
+                <a:latin typeface="+mn-lt"/>
+                <a:ea typeface="+mn-ea"/>
+                <a:cs typeface="+mn-cs"/>
+              </a:defRPr>
+            </a:lvl8pPr>
+            <a:lvl9pPr marL="3657600" algn="l" defTabSz="914400" rtl="0" eaLnBrk="1" latinLnBrk="1" hangingPunct="1">
+              <a:defRPr sz="1800" kern="1200">
+                <a:solidFill>
+                  <a:schemeClr val="dk1"/>
+                </a:solidFill>
+                <a:latin typeface="+mn-lt"/>
+                <a:ea typeface="+mn-ea"/>
+                <a:cs typeface="+mn-cs"/>
+              </a:defRPr>
+            </a:lvl9pPr>
+          </a:lstStyle>
+          <a:p>
+            <a:r>
+              <a:rPr lang="en-US" altLang="ko-KR" sz="1600" dirty="0" smtClean="0"/>
+              <a:t>F </a:t>
+            </a:r>
+            <a:endParaRPr lang="ko-KR" altLang="en-US" sz="1600" dirty="0">
+              <a:latin typeface="Century Gothic" panose="020B0502020202020204" pitchFamily="34" charset="0"/>
+            </a:endParaRPr>
+          </a:p>
+        </p:txBody>
+      </p:sp>
+      <p:sp>
+        <p:nvSpPr>
+          <p:cNvPr id="118" name="직사각형 117"/>
+          <p:cNvSpPr/>
+          <p:nvPr/>
+        </p:nvSpPr>
+        <p:spPr>
+          <a:xfrm>
+            <a:off x="3045490" y="1573319"/>
+            <a:ext cx="2607673" cy="338554"/>
+          </a:xfrm>
+          <a:prstGeom prst="rect">
+            <a:avLst/>
+          </a:prstGeom>
+          <a:ln w="3175"/>
+        </p:spPr>
+        <p:style>
+          <a:lnRef idx="2">
+            <a:schemeClr val="accent4"/>
+          </a:lnRef>
+          <a:fillRef idx="1">
+            <a:schemeClr val="lt1"/>
+          </a:fillRef>
+          <a:effectRef idx="0">
+            <a:schemeClr val="accent4"/>
+          </a:effectRef>
+          <a:fontRef idx="minor">
+            <a:schemeClr val="dk1"/>
+          </a:fontRef>
+        </p:style>
+        <p:txBody>
+          <a:bodyPr wrap="square">
+            <a:spAutoFit/>
+          </a:bodyPr>
+          <a:lstStyle>
+            <a:defPPr>
+              <a:defRPr lang="ko-KR"/>
+            </a:defPPr>
+            <a:lvl1pPr marL="0" algn="l" defTabSz="914400" rtl="0" eaLnBrk="1" latinLnBrk="1" hangingPunct="1">
+              <a:defRPr sz="1800" kern="1200">
+                <a:solidFill>
+                  <a:schemeClr val="dk1"/>
+                </a:solidFill>
+                <a:latin typeface="+mn-lt"/>
+                <a:ea typeface="+mn-ea"/>
+                <a:cs typeface="+mn-cs"/>
+              </a:defRPr>
+            </a:lvl1pPr>
+            <a:lvl2pPr marL="457200" algn="l" defTabSz="914400" rtl="0" eaLnBrk="1" latinLnBrk="1" hangingPunct="1">
+              <a:defRPr sz="1800" kern="1200">
+                <a:solidFill>
+                  <a:schemeClr val="dk1"/>
+                </a:solidFill>
+                <a:latin typeface="+mn-lt"/>
+                <a:ea typeface="+mn-ea"/>
+                <a:cs typeface="+mn-cs"/>
+              </a:defRPr>
+            </a:lvl2pPr>
+            <a:lvl3pPr marL="914400" algn="l" defTabSz="914400" rtl="0" eaLnBrk="1" latinLnBrk="1" hangingPunct="1">
+              <a:defRPr sz="1800" kern="1200">
+                <a:solidFill>
+                  <a:schemeClr val="dk1"/>
+                </a:solidFill>
+                <a:latin typeface="+mn-lt"/>
+                <a:ea typeface="+mn-ea"/>
+                <a:cs typeface="+mn-cs"/>
+              </a:defRPr>
+            </a:lvl3pPr>
+            <a:lvl4pPr marL="1371600" algn="l" defTabSz="914400" rtl="0" eaLnBrk="1" latinLnBrk="1" hangingPunct="1">
+              <a:defRPr sz="1800" kern="1200">
+                <a:solidFill>
+                  <a:schemeClr val="dk1"/>
+                </a:solidFill>
+                <a:latin typeface="+mn-lt"/>
+                <a:ea typeface="+mn-ea"/>
+                <a:cs typeface="+mn-cs"/>
+              </a:defRPr>
+            </a:lvl4pPr>
+            <a:lvl5pPr marL="1828800" algn="l" defTabSz="914400" rtl="0" eaLnBrk="1" latinLnBrk="1" hangingPunct="1">
+              <a:defRPr sz="1800" kern="1200">
+                <a:solidFill>
+                  <a:schemeClr val="dk1"/>
+                </a:solidFill>
+                <a:latin typeface="+mn-lt"/>
+                <a:ea typeface="+mn-ea"/>
+                <a:cs typeface="+mn-cs"/>
+              </a:defRPr>
+            </a:lvl5pPr>
+            <a:lvl6pPr marL="2286000" algn="l" defTabSz="914400" rtl="0" eaLnBrk="1" latinLnBrk="1" hangingPunct="1">
+              <a:defRPr sz="1800" kern="1200">
+                <a:solidFill>
+                  <a:schemeClr val="dk1"/>
+                </a:solidFill>
+                <a:latin typeface="+mn-lt"/>
+                <a:ea typeface="+mn-ea"/>
+                <a:cs typeface="+mn-cs"/>
+              </a:defRPr>
+            </a:lvl6pPr>
+            <a:lvl7pPr marL="2743200" algn="l" defTabSz="914400" rtl="0" eaLnBrk="1" latinLnBrk="1" hangingPunct="1">
+              <a:defRPr sz="1800" kern="1200">
+                <a:solidFill>
+                  <a:schemeClr val="dk1"/>
+                </a:solidFill>
+                <a:latin typeface="+mn-lt"/>
+                <a:ea typeface="+mn-ea"/>
+                <a:cs typeface="+mn-cs"/>
+              </a:defRPr>
+            </a:lvl7pPr>
+            <a:lvl8pPr marL="3200400" algn="l" defTabSz="914400" rtl="0" eaLnBrk="1" latinLnBrk="1" hangingPunct="1">
+              <a:defRPr sz="1800" kern="1200">
+                <a:solidFill>
+                  <a:schemeClr val="dk1"/>
+                </a:solidFill>
+                <a:latin typeface="+mn-lt"/>
+                <a:ea typeface="+mn-ea"/>
+                <a:cs typeface="+mn-cs"/>
+              </a:defRPr>
+            </a:lvl8pPr>
+            <a:lvl9pPr marL="3657600" algn="l" defTabSz="914400" rtl="0" eaLnBrk="1" latinLnBrk="1" hangingPunct="1">
+              <a:defRPr sz="1800" kern="1200">
+                <a:solidFill>
+                  <a:schemeClr val="dk1"/>
+                </a:solidFill>
+                <a:latin typeface="+mn-lt"/>
+                <a:ea typeface="+mn-ea"/>
+                <a:cs typeface="+mn-cs"/>
+              </a:defRPr>
+            </a:lvl9pPr>
+          </a:lstStyle>
+          <a:p>
+            <a:r>
+              <a:rPr lang="en-US" altLang="ko-KR" sz="1600" dirty="0" smtClean="0"/>
+              <a:t>A </a:t>
+            </a:r>
+            <a:endParaRPr lang="ko-KR" altLang="en-US" sz="1600" dirty="0">
+              <a:latin typeface="Century Gothic" panose="020B0502020202020204" pitchFamily="34" charset="0"/>
+            </a:endParaRPr>
+          </a:p>
+        </p:txBody>
+      </p:sp>
+      <p:sp>
+        <p:nvSpPr>
+          <p:cNvPr id="119" name="직사각형 118"/>
+          <p:cNvSpPr/>
+          <p:nvPr/>
+        </p:nvSpPr>
+        <p:spPr>
+          <a:xfrm>
+            <a:off x="3052621" y="1927941"/>
+            <a:ext cx="2616133" cy="338554"/>
+          </a:xfrm>
+          <a:prstGeom prst="rect">
+            <a:avLst/>
+          </a:prstGeom>
+          <a:ln w="3175"/>
+        </p:spPr>
+        <p:style>
+          <a:lnRef idx="2">
+            <a:schemeClr val="accent4"/>
+          </a:lnRef>
+          <a:fillRef idx="1">
+            <a:schemeClr val="lt1"/>
+          </a:fillRef>
+          <a:effectRef idx="0">
+            <a:schemeClr val="accent4"/>
+          </a:effectRef>
+          <a:fontRef idx="minor">
+            <a:schemeClr val="dk1"/>
+          </a:fontRef>
+        </p:style>
+        <p:txBody>
+          <a:bodyPr wrap="square">
+            <a:spAutoFit/>
+          </a:bodyPr>
+          <a:lstStyle>
+            <a:defPPr>
+              <a:defRPr lang="ko-KR"/>
+            </a:defPPr>
+            <a:lvl1pPr marL="0" algn="l" defTabSz="914400" rtl="0" eaLnBrk="1" latinLnBrk="1" hangingPunct="1">
+              <a:defRPr sz="1800" kern="1200">
+                <a:solidFill>
+                  <a:schemeClr val="dk1"/>
+                </a:solidFill>
+                <a:latin typeface="+mn-lt"/>
+                <a:ea typeface="+mn-ea"/>
+                <a:cs typeface="+mn-cs"/>
+              </a:defRPr>
+            </a:lvl1pPr>
+            <a:lvl2pPr marL="457200" algn="l" defTabSz="914400" rtl="0" eaLnBrk="1" latinLnBrk="1" hangingPunct="1">
+              <a:defRPr sz="1800" kern="1200">
+                <a:solidFill>
+                  <a:schemeClr val="dk1"/>
+                </a:solidFill>
+                <a:latin typeface="+mn-lt"/>
+                <a:ea typeface="+mn-ea"/>
+                <a:cs typeface="+mn-cs"/>
+              </a:defRPr>
+            </a:lvl2pPr>
+            <a:lvl3pPr marL="914400" algn="l" defTabSz="914400" rtl="0" eaLnBrk="1" latinLnBrk="1" hangingPunct="1">
+              <a:defRPr sz="1800" kern="1200">
+                <a:solidFill>
+                  <a:schemeClr val="dk1"/>
+                </a:solidFill>
+                <a:latin typeface="+mn-lt"/>
+                <a:ea typeface="+mn-ea"/>
+                <a:cs typeface="+mn-cs"/>
+              </a:defRPr>
+            </a:lvl3pPr>
+            <a:lvl4pPr marL="1371600" algn="l" defTabSz="914400" rtl="0" eaLnBrk="1" latinLnBrk="1" hangingPunct="1">
+              <a:defRPr sz="1800" kern="1200">
+                <a:solidFill>
+                  <a:schemeClr val="dk1"/>
+                </a:solidFill>
+                <a:latin typeface="+mn-lt"/>
+                <a:ea typeface="+mn-ea"/>
+                <a:cs typeface="+mn-cs"/>
+              </a:defRPr>
+            </a:lvl4pPr>
+            <a:lvl5pPr marL="1828800" algn="l" defTabSz="914400" rtl="0" eaLnBrk="1" latinLnBrk="1" hangingPunct="1">
+              <a:defRPr sz="1800" kern="1200">
+                <a:solidFill>
+                  <a:schemeClr val="dk1"/>
+                </a:solidFill>
+                <a:latin typeface="+mn-lt"/>
+                <a:ea typeface="+mn-ea"/>
+                <a:cs typeface="+mn-cs"/>
+              </a:defRPr>
+            </a:lvl5pPr>
+            <a:lvl6pPr marL="2286000" algn="l" defTabSz="914400" rtl="0" eaLnBrk="1" latinLnBrk="1" hangingPunct="1">
+              <a:defRPr sz="1800" kern="1200">
+                <a:solidFill>
+                  <a:schemeClr val="dk1"/>
+                </a:solidFill>
+                <a:latin typeface="+mn-lt"/>
+                <a:ea typeface="+mn-ea"/>
+                <a:cs typeface="+mn-cs"/>
+              </a:defRPr>
+            </a:lvl6pPr>
+            <a:lvl7pPr marL="2743200" algn="l" defTabSz="914400" rtl="0" eaLnBrk="1" latinLnBrk="1" hangingPunct="1">
+              <a:defRPr sz="1800" kern="1200">
+                <a:solidFill>
+                  <a:schemeClr val="dk1"/>
+                </a:solidFill>
+                <a:latin typeface="+mn-lt"/>
+                <a:ea typeface="+mn-ea"/>
+                <a:cs typeface="+mn-cs"/>
+              </a:defRPr>
+            </a:lvl7pPr>
+            <a:lvl8pPr marL="3200400" algn="l" defTabSz="914400" rtl="0" eaLnBrk="1" latinLnBrk="1" hangingPunct="1">
+              <a:defRPr sz="1800" kern="1200">
+                <a:solidFill>
+                  <a:schemeClr val="dk1"/>
+                </a:solidFill>
+                <a:latin typeface="+mn-lt"/>
+                <a:ea typeface="+mn-ea"/>
+                <a:cs typeface="+mn-cs"/>
+              </a:defRPr>
+            </a:lvl8pPr>
+            <a:lvl9pPr marL="3657600" algn="l" defTabSz="914400" rtl="0" eaLnBrk="1" latinLnBrk="1" hangingPunct="1">
+              <a:defRPr sz="1800" kern="1200">
+                <a:solidFill>
+                  <a:schemeClr val="dk1"/>
+                </a:solidFill>
+                <a:latin typeface="+mn-lt"/>
+                <a:ea typeface="+mn-ea"/>
+                <a:cs typeface="+mn-cs"/>
+              </a:defRPr>
+            </a:lvl9pPr>
+          </a:lstStyle>
+          <a:p>
+            <a:r>
+              <a:rPr lang="en-US" altLang="ko-KR" sz="1600" dirty="0" smtClean="0"/>
+              <a:t>A </a:t>
+            </a:r>
+            <a:endParaRPr lang="ko-KR" altLang="en-US" sz="1600" dirty="0">
+              <a:latin typeface="Century Gothic" panose="020B0502020202020204" pitchFamily="34" charset="0"/>
+            </a:endParaRPr>
+          </a:p>
+        </p:txBody>
+      </p:sp>
     </p:spTree>
     <p:extLst>
       <p:ext uri="{BB962C8B-B14F-4D97-AF65-F5344CB8AC3E}">
